--- a/Preso.pptx
+++ b/Preso.pptx
@@ -5,10 +5,11 @@
     <p:sldMasterId id="2147483732" r:id="rId1"/>
   </p:sldMasterIdLst>
   <p:sldIdLst>
-    <p:sldId id="256" r:id="rId2"/>
-    <p:sldId id="257" r:id="rId3"/>
-    <p:sldId id="258" r:id="rId4"/>
+    <p:sldId id="260" r:id="rId2"/>
+    <p:sldId id="261" r:id="rId3"/>
+    <p:sldId id="257" r:id="rId4"/>
     <p:sldId id="259" r:id="rId5"/>
+    <p:sldId id="258" r:id="rId6"/>
   </p:sldIdLst>
   <p:sldSz cx="12192000" cy="6858000"/>
   <p:notesSz cx="6858000" cy="9144000"/>
@@ -107,6 +108,11 @@
       </a:defRPr>
     </a:lvl9pPr>
   </p:defaultTextStyle>
+  <p:extLst>
+    <p:ext uri="{EFAFB233-063F-42B5-8137-9DF3F51BA10A}">
+      <p15:sldGuideLst xmlns:p15="http://schemas.microsoft.com/office/powerpoint/2012/main"/>
+    </p:ext>
+  </p:extLst>
 </p:presentation>
 </file>
 
@@ -280,7 +286,7 @@
           <a:p>
             <a:fld id="{54AEB5B7-0DD5-E544-A89D-4EEE8E12F036}" type="datetimeFigureOut">
               <a:rPr lang="en-US" smtClean="0"/>
-              <a:t>9/9/19</a:t>
+              <a:t>9/10/19</a:t>
             </a:fld>
             <a:endParaRPr lang="en-US"/>
           </a:p>
@@ -547,7 +553,7 @@
           <a:p>
             <a:fld id="{54AEB5B7-0DD5-E544-A89D-4EEE8E12F036}" type="datetimeFigureOut">
               <a:rPr lang="en-US" smtClean="0"/>
-              <a:t>9/9/19</a:t>
+              <a:t>9/10/19</a:t>
             </a:fld>
             <a:endParaRPr lang="en-US"/>
           </a:p>
@@ -778,7 +784,7 @@
           <a:p>
             <a:fld id="{54AEB5B7-0DD5-E544-A89D-4EEE8E12F036}" type="datetimeFigureOut">
               <a:rPr lang="en-US" smtClean="0"/>
-              <a:t>9/9/19</a:t>
+              <a:t>9/10/19</a:t>
             </a:fld>
             <a:endParaRPr lang="en-US"/>
           </a:p>
@@ -1088,7 +1094,7 @@
           <a:p>
             <a:fld id="{54AEB5B7-0DD5-E544-A89D-4EEE8E12F036}" type="datetimeFigureOut">
               <a:rPr lang="en-US" smtClean="0"/>
-              <a:t>9/9/19</a:t>
+              <a:t>9/10/19</a:t>
             </a:fld>
             <a:endParaRPr lang="en-US"/>
           </a:p>
@@ -1561,7 +1567,7 @@
           <a:p>
             <a:fld id="{54AEB5B7-0DD5-E544-A89D-4EEE8E12F036}" type="datetimeFigureOut">
               <a:rPr lang="en-US" smtClean="0"/>
-              <a:t>9/9/19</a:t>
+              <a:t>9/10/19</a:t>
             </a:fld>
             <a:endParaRPr lang="en-US"/>
           </a:p>
@@ -2108,7 +2114,7 @@
           <a:p>
             <a:fld id="{54AEB5B7-0DD5-E544-A89D-4EEE8E12F036}" type="datetimeFigureOut">
               <a:rPr lang="en-US" smtClean="0"/>
-              <a:t>9/9/19</a:t>
+              <a:t>9/10/19</a:t>
             </a:fld>
             <a:endParaRPr lang="en-US"/>
           </a:p>
@@ -2882,7 +2888,7 @@
           <a:p>
             <a:fld id="{54AEB5B7-0DD5-E544-A89D-4EEE8E12F036}" type="datetimeFigureOut">
               <a:rPr lang="en-US" smtClean="0"/>
-              <a:t>9/9/19</a:t>
+              <a:t>9/10/19</a:t>
             </a:fld>
             <a:endParaRPr lang="en-US"/>
           </a:p>
@@ -3057,7 +3063,7 @@
           <a:p>
             <a:fld id="{54AEB5B7-0DD5-E544-A89D-4EEE8E12F036}" type="datetimeFigureOut">
               <a:rPr lang="en-US" smtClean="0"/>
-              <a:t>9/9/19</a:t>
+              <a:t>9/10/19</a:t>
             </a:fld>
             <a:endParaRPr lang="en-US"/>
           </a:p>
@@ -3280,7 +3286,7 @@
           <a:p>
             <a:fld id="{54AEB5B7-0DD5-E544-A89D-4EEE8E12F036}" type="datetimeFigureOut">
               <a:rPr lang="en-US" smtClean="0"/>
-              <a:t>9/9/19</a:t>
+              <a:t>9/10/19</a:t>
             </a:fld>
             <a:endParaRPr lang="en-US"/>
           </a:p>
@@ -3460,7 +3466,7 @@
           <a:p>
             <a:fld id="{54AEB5B7-0DD5-E544-A89D-4EEE8E12F036}" type="datetimeFigureOut">
               <a:rPr lang="en-US" smtClean="0"/>
-              <a:t>9/9/19</a:t>
+              <a:t>9/10/19</a:t>
             </a:fld>
             <a:endParaRPr lang="en-US"/>
           </a:p>
@@ -3749,7 +3755,7 @@
           <a:p>
             <a:fld id="{54AEB5B7-0DD5-E544-A89D-4EEE8E12F036}" type="datetimeFigureOut">
               <a:rPr lang="en-US" smtClean="0"/>
-              <a:t>9/9/19</a:t>
+              <a:t>9/10/19</a:t>
             </a:fld>
             <a:endParaRPr lang="en-US"/>
           </a:p>
@@ -3991,7 +3997,7 @@
           <a:p>
             <a:fld id="{54AEB5B7-0DD5-E544-A89D-4EEE8E12F036}" type="datetimeFigureOut">
               <a:rPr lang="en-US" smtClean="0"/>
-              <a:t>9/9/19</a:t>
+              <a:t>9/10/19</a:t>
             </a:fld>
             <a:endParaRPr lang="en-US"/>
           </a:p>
@@ -4370,7 +4376,7 @@
           <a:p>
             <a:fld id="{54AEB5B7-0DD5-E544-A89D-4EEE8E12F036}" type="datetimeFigureOut">
               <a:rPr lang="en-US" smtClean="0"/>
-              <a:t>9/9/19</a:t>
+              <a:t>9/10/19</a:t>
             </a:fld>
             <a:endParaRPr lang="en-US"/>
           </a:p>
@@ -4488,7 +4494,7 @@
           <a:p>
             <a:fld id="{54AEB5B7-0DD5-E544-A89D-4EEE8E12F036}" type="datetimeFigureOut">
               <a:rPr lang="en-US" smtClean="0"/>
-              <a:t>9/9/19</a:t>
+              <a:t>9/10/19</a:t>
             </a:fld>
             <a:endParaRPr lang="en-US"/>
           </a:p>
@@ -4583,7 +4589,7 @@
           <a:p>
             <a:fld id="{54AEB5B7-0DD5-E544-A89D-4EEE8E12F036}" type="datetimeFigureOut">
               <a:rPr lang="en-US" smtClean="0"/>
-              <a:t>9/9/19</a:t>
+              <a:t>9/10/19</a:t>
             </a:fld>
             <a:endParaRPr lang="en-US"/>
           </a:p>
@@ -4832,7 +4838,7 @@
           <a:p>
             <a:fld id="{54AEB5B7-0DD5-E544-A89D-4EEE8E12F036}" type="datetimeFigureOut">
               <a:rPr lang="en-US" smtClean="0"/>
-              <a:t>9/9/19</a:t>
+              <a:t>9/10/19</a:t>
             </a:fld>
             <a:endParaRPr lang="en-US"/>
           </a:p>
@@ -5089,7 +5095,7 @@
           <a:p>
             <a:fld id="{54AEB5B7-0DD5-E544-A89D-4EEE8E12F036}" type="datetimeFigureOut">
               <a:rPr lang="en-US" smtClean="0"/>
-              <a:t>9/9/19</a:t>
+              <a:t>9/10/19</a:t>
             </a:fld>
             <a:endParaRPr lang="en-US"/>
           </a:p>
@@ -5332,7 +5338,7 @@
           <a:p>
             <a:fld id="{54AEB5B7-0DD5-E544-A89D-4EEE8E12F036}" type="datetimeFigureOut">
               <a:rPr lang="en-US" smtClean="0"/>
-              <a:t>9/9/19</a:t>
+              <a:t>9/10/19</a:t>
             </a:fld>
             <a:endParaRPr lang="en-US"/>
           </a:p>
@@ -5748,7 +5754,7 @@
           <p:cNvPr id="2" name="Title 1">
             <a:extLst>
               <a:ext uri="{FF2B5EF4-FFF2-40B4-BE49-F238E27FC236}">
-                <a16:creationId xmlns:a16="http://schemas.microsoft.com/office/drawing/2014/main" id="{86014EB2-11FD-C948-B994-33CE2DCCFAC2}"/>
+                <a16:creationId xmlns:a16="http://schemas.microsoft.com/office/drawing/2014/main" id="{39D38F66-26A7-F94C-BC05-F0E14EC7F56A}"/>
               </a:ext>
             </a:extLst>
           </p:cNvPr>
@@ -5756,7 +5762,7 @@
             <a:spLocks noGrp="1"/>
           </p:cNvSpPr>
           <p:nvPr>
-            <p:ph type="ctrTitle"/>
+            <p:ph type="title"/>
           </p:nvPr>
         </p:nvSpPr>
         <p:spPr/>
@@ -5764,54 +5770,28 @@
           <a:bodyPr/>
           <a:lstStyle/>
           <a:p>
-            <a:endParaRPr lang="en-US" dirty="0"/>
-          </a:p>
-        </p:txBody>
-      </p:sp>
-      <p:sp>
-        <p:nvSpPr>
-          <p:cNvPr id="3" name="Subtitle 2">
+            <a:endParaRPr lang="en-US"/>
+          </a:p>
+        </p:txBody>
+      </p:sp>
+      <p:pic>
+        <p:nvPicPr>
+          <p:cNvPr id="5" name="Content Placeholder 4">
             <a:extLst>
               <a:ext uri="{FF2B5EF4-FFF2-40B4-BE49-F238E27FC236}">
-                <a16:creationId xmlns:a16="http://schemas.microsoft.com/office/drawing/2014/main" id="{B129B00D-CB6E-244F-A9AE-888B3336C143}"/>
-              </a:ext>
-            </a:extLst>
-          </p:cNvPr>
-          <p:cNvSpPr>
-            <a:spLocks noGrp="1"/>
-          </p:cNvSpPr>
-          <p:nvPr>
-            <p:ph type="subTitle" idx="1"/>
-          </p:nvPr>
-        </p:nvSpPr>
-        <p:spPr/>
-        <p:txBody>
-          <a:bodyPr/>
-          <a:lstStyle/>
-          <a:p>
-            <a:endParaRPr lang="en-US"/>
-          </a:p>
-        </p:txBody>
-      </p:sp>
-      <p:pic>
-        <p:nvPicPr>
-          <p:cNvPr id="4" name="Online Media 3" descr="The Chase Australia Intro">
-            <a:hlinkClick r:id="" action="ppaction://media"/>
-            <a:extLst>
-              <a:ext uri="{FF2B5EF4-FFF2-40B4-BE49-F238E27FC236}">
-                <a16:creationId xmlns:a16="http://schemas.microsoft.com/office/drawing/2014/main" id="{8E027CBC-C0E2-7745-B148-1C3FF09C0D0E}"/>
+                <a16:creationId xmlns:a16="http://schemas.microsoft.com/office/drawing/2014/main" id="{70D56832-041A-5441-8B37-922A84C77247}"/>
               </a:ext>
             </a:extLst>
           </p:cNvPr>
           <p:cNvPicPr>
-            <a:picLocks noRot="1" noChangeAspect="1"/>
+            <a:picLocks noGrp="1" noChangeAspect="1"/>
           </p:cNvPicPr>
           <p:nvPr>
-            <a:videoFile r:link="rId1"/>
+            <p:ph idx="1"/>
           </p:nvPr>
         </p:nvPicPr>
         <p:blipFill>
-          <a:blip r:embed="rId3"/>
+          <a:blip r:embed="rId2"/>
           <a:stretch>
             <a:fillRect/>
           </a:stretch>
@@ -5821,163 +5801,106 @@
             <a:off x="0" y="0"/>
             <a:ext cx="12192000" cy="6858000"/>
           </a:xfrm>
-          <a:prstGeom prst="rect">
-            <a:avLst/>
-          </a:prstGeom>
         </p:spPr>
       </p:pic>
     </p:spTree>
     <p:extLst>
       <p:ext uri="{BB962C8B-B14F-4D97-AF65-F5344CB8AC3E}">
-        <p14:creationId xmlns:p14="http://schemas.microsoft.com/office/powerpoint/2010/main" val="1394743029"/>
+        <p14:creationId xmlns:p14="http://schemas.microsoft.com/office/powerpoint/2010/main" val="1887662432"/>
       </p:ext>
     </p:extLst>
   </p:cSld>
   <p:clrMapOvr>
     <a:masterClrMapping/>
   </p:clrMapOvr>
-  <p:timing>
-    <p:tnLst>
-      <p:par>
-        <p:cTn id="1" dur="indefinite" restart="never" nodeType="tmRoot">
-          <p:childTnLst>
-            <p:seq concurrent="1" nextAc="seek">
-              <p:cTn id="2" dur="indefinite" nodeType="mainSeq">
-                <p:childTnLst>
-                  <p:par>
-                    <p:cTn id="3" fill="hold">
-                      <p:stCondLst>
-                        <p:cond delay="indefinite"/>
-                        <p:cond evt="onBegin" delay="0">
-                          <p:tn val="2"/>
-                        </p:cond>
-                      </p:stCondLst>
-                      <p:childTnLst>
-                        <p:par>
-                          <p:cTn id="4" fill="hold">
-                            <p:stCondLst>
-                              <p:cond delay="0"/>
-                            </p:stCondLst>
-                            <p:childTnLst>
-                              <p:par>
-                                <p:cTn id="5" presetID="1" presetClass="mediacall" presetSubtype="0" fill="hold" nodeType="afterEffect">
-                                  <p:stCondLst>
-                                    <p:cond delay="0"/>
-                                  </p:stCondLst>
-                                  <p:childTnLst>
-                                    <p:cmd type="call" cmd="playFrom(0.0)">
-                                      <p:cBhvr>
-                                        <p:cTn id="6" dur="1" fill="hold"/>
-                                        <p:tgtEl>
-                                          <p:spTgt spid="4"/>
-                                        </p:tgtEl>
-                                      </p:cBhvr>
-                                    </p:cmd>
-                                  </p:childTnLst>
-                                </p:cTn>
-                              </p:par>
-                            </p:childTnLst>
-                          </p:cTn>
-                        </p:par>
-                      </p:childTnLst>
-                    </p:cTn>
-                  </p:par>
-                </p:childTnLst>
-              </p:cTn>
-              <p:prevCondLst>
-                <p:cond evt="onPrev" delay="0">
-                  <p:tgtEl>
-                    <p:sldTgt/>
-                  </p:tgtEl>
-                </p:cond>
-              </p:prevCondLst>
-              <p:nextCondLst>
-                <p:cond evt="onNext" delay="0">
-                  <p:tgtEl>
-                    <p:sldTgt/>
-                  </p:tgtEl>
-                </p:cond>
-              </p:nextCondLst>
-            </p:seq>
-            <p:video>
-              <p:cMediaNode vol="80000">
-                <p:cTn id="7" fill="hold" display="0">
-                  <p:stCondLst>
-                    <p:cond delay="indefinite"/>
-                  </p:stCondLst>
-                </p:cTn>
-                <p:tgtEl>
-                  <p:spTgt spid="4"/>
-                </p:tgtEl>
-              </p:cMediaNode>
-            </p:video>
-            <p:seq concurrent="1" nextAc="seek">
-              <p:cTn id="8" restart="whenNotActive" fill="hold" evtFilter="cancelBubble" nodeType="interactiveSeq">
-                <p:stCondLst>
-                  <p:cond evt="onClick" delay="0">
-                    <p:tgtEl>
-                      <p:spTgt spid="4"/>
-                    </p:tgtEl>
-                  </p:cond>
-                </p:stCondLst>
-                <p:endSync evt="end" delay="0">
-                  <p:rtn val="all"/>
-                </p:endSync>
-                <p:childTnLst>
-                  <p:par>
-                    <p:cTn id="9" fill="hold">
-                      <p:stCondLst>
-                        <p:cond delay="0"/>
-                      </p:stCondLst>
-                      <p:childTnLst>
-                        <p:par>
-                          <p:cTn id="10" fill="hold">
-                            <p:stCondLst>
-                              <p:cond delay="0"/>
-                            </p:stCondLst>
-                            <p:childTnLst>
-                              <p:par>
-                                <p:cTn id="11" presetID="2" presetClass="mediacall" presetSubtype="0" fill="hold" nodeType="clickEffect">
-                                  <p:stCondLst>
-                                    <p:cond delay="0"/>
-                                  </p:stCondLst>
-                                  <p:childTnLst>
-                                    <p:cmd type="call" cmd="togglePause">
-                                      <p:cBhvr>
-                                        <p:cTn id="12" dur="1" fill="hold"/>
-                                        <p:tgtEl>
-                                          <p:spTgt spid="4"/>
-                                        </p:tgtEl>
-                                      </p:cBhvr>
-                                    </p:cmd>
-                                  </p:childTnLst>
-                                </p:cTn>
-                              </p:par>
-                            </p:childTnLst>
-                          </p:cTn>
-                        </p:par>
-                      </p:childTnLst>
-                    </p:cTn>
-                  </p:par>
-                </p:childTnLst>
-              </p:cTn>
-              <p:nextCondLst>
-                <p:cond evt="onClick" delay="0">
-                  <p:tgtEl>
-                    <p:spTgt spid="4"/>
-                  </p:tgtEl>
-                </p:cond>
-              </p:nextCondLst>
-            </p:seq>
-          </p:childTnLst>
-        </p:cTn>
-      </p:par>
-    </p:tnLst>
-  </p:timing>
 </p:sld>
 </file>
 
 <file path=ppt/slides/slide2.xml><?xml version="1.0" encoding="utf-8"?>
+<p:sld xmlns:a="http://schemas.openxmlformats.org/drawingml/2006/main" xmlns:r="http://schemas.openxmlformats.org/officeDocument/2006/relationships" xmlns:p="http://schemas.openxmlformats.org/presentationml/2006/main">
+  <p:cSld>
+    <p:spTree>
+      <p:nvGrpSpPr>
+        <p:cNvPr id="1" name=""/>
+        <p:cNvGrpSpPr/>
+        <p:nvPr/>
+      </p:nvGrpSpPr>
+      <p:grpSpPr>
+        <a:xfrm>
+          <a:off x="0" y="0"/>
+          <a:ext cx="0" cy="0"/>
+          <a:chOff x="0" y="0"/>
+          <a:chExt cx="0" cy="0"/>
+        </a:xfrm>
+      </p:grpSpPr>
+      <p:sp>
+        <p:nvSpPr>
+          <p:cNvPr id="2" name="Title 1">
+            <a:extLst>
+              <a:ext uri="{FF2B5EF4-FFF2-40B4-BE49-F238E27FC236}">
+                <a16:creationId xmlns:a16="http://schemas.microsoft.com/office/drawing/2014/main" id="{5DA7BBA4-EC90-DF48-B617-96A7101F6C0D}"/>
+              </a:ext>
+            </a:extLst>
+          </p:cNvPr>
+          <p:cNvSpPr>
+            <a:spLocks noGrp="1"/>
+          </p:cNvSpPr>
+          <p:nvPr>
+            <p:ph type="title"/>
+          </p:nvPr>
+        </p:nvSpPr>
+        <p:spPr/>
+        <p:txBody>
+          <a:bodyPr/>
+          <a:lstStyle/>
+          <a:p>
+            <a:endParaRPr lang="en-US"/>
+          </a:p>
+        </p:txBody>
+      </p:sp>
+      <p:pic>
+        <p:nvPicPr>
+          <p:cNvPr id="5" name="Content Placeholder 4">
+            <a:extLst>
+              <a:ext uri="{FF2B5EF4-FFF2-40B4-BE49-F238E27FC236}">
+                <a16:creationId xmlns:a16="http://schemas.microsoft.com/office/drawing/2014/main" id="{646271F4-2022-494A-AD62-9EA6F785951D}"/>
+              </a:ext>
+            </a:extLst>
+          </p:cNvPr>
+          <p:cNvPicPr>
+            <a:picLocks noGrp="1" noChangeAspect="1"/>
+          </p:cNvPicPr>
+          <p:nvPr>
+            <p:ph idx="1"/>
+          </p:nvPr>
+        </p:nvPicPr>
+        <p:blipFill>
+          <a:blip r:embed="rId2"/>
+          <a:stretch>
+            <a:fillRect/>
+          </a:stretch>
+        </p:blipFill>
+        <p:spPr>
+          <a:xfrm>
+            <a:off x="0" y="0"/>
+            <a:ext cx="13008990" cy="6858000"/>
+          </a:xfrm>
+        </p:spPr>
+      </p:pic>
+    </p:spTree>
+    <p:extLst>
+      <p:ext uri="{BB962C8B-B14F-4D97-AF65-F5344CB8AC3E}">
+        <p14:creationId xmlns:p14="http://schemas.microsoft.com/office/powerpoint/2010/main" val="558246486"/>
+      </p:ext>
+    </p:extLst>
+  </p:cSld>
+  <p:clrMapOvr>
+    <a:masterClrMapping/>
+  </p:clrMapOvr>
+</p:sld>
+</file>
+
+<file path=ppt/slides/slide3.xml><?xml version="1.0" encoding="utf-8"?>
 <p:sld xmlns:a="http://schemas.openxmlformats.org/drawingml/2006/main" xmlns:r="http://schemas.openxmlformats.org/officeDocument/2006/relationships" xmlns:p="http://schemas.openxmlformats.org/presentationml/2006/main">
   <p:cSld>
     <p:spTree>
@@ -6037,101 +5960,6 @@
 </p:sld>
 </file>
 
-<file path=ppt/slides/slide3.xml><?xml version="1.0" encoding="utf-8"?>
-<p:sld xmlns:a="http://schemas.openxmlformats.org/drawingml/2006/main" xmlns:r="http://schemas.openxmlformats.org/officeDocument/2006/relationships" xmlns:p="http://schemas.openxmlformats.org/presentationml/2006/main">
-  <p:cSld>
-    <p:spTree>
-      <p:nvGrpSpPr>
-        <p:cNvPr id="1" name=""/>
-        <p:cNvGrpSpPr/>
-        <p:nvPr/>
-      </p:nvGrpSpPr>
-      <p:grpSpPr>
-        <a:xfrm>
-          <a:off x="0" y="0"/>
-          <a:ext cx="0" cy="0"/>
-          <a:chOff x="0" y="0"/>
-          <a:chExt cx="0" cy="0"/>
-        </a:xfrm>
-      </p:grpSpPr>
-      <p:sp>
-        <p:nvSpPr>
-          <p:cNvPr id="2" name="Title 1">
-            <a:extLst>
-              <a:ext uri="{FF2B5EF4-FFF2-40B4-BE49-F238E27FC236}">
-                <a16:creationId xmlns:a16="http://schemas.microsoft.com/office/drawing/2014/main" id="{EF63B18F-9DD4-B84B-B1C8-58F2BBC34D6B}"/>
-              </a:ext>
-            </a:extLst>
-          </p:cNvPr>
-          <p:cNvSpPr>
-            <a:spLocks noGrp="1"/>
-          </p:cNvSpPr>
-          <p:nvPr>
-            <p:ph type="title"/>
-          </p:nvPr>
-        </p:nvSpPr>
-        <p:spPr/>
-        <p:txBody>
-          <a:bodyPr/>
-          <a:lstStyle/>
-          <a:p>
-            <a:r>
-              <a:rPr lang="en-US" dirty="0"/>
-              <a:t>WHY?</a:t>
-            </a:r>
-          </a:p>
-        </p:txBody>
-      </p:sp>
-      <p:sp>
-        <p:nvSpPr>
-          <p:cNvPr id="3" name="Content Placeholder 2">
-            <a:extLst>
-              <a:ext uri="{FF2B5EF4-FFF2-40B4-BE49-F238E27FC236}">
-                <a16:creationId xmlns:a16="http://schemas.microsoft.com/office/drawing/2014/main" id="{9B0114F3-99DD-9D4E-830C-2BD2F3F4B0D7}"/>
-              </a:ext>
-            </a:extLst>
-          </p:cNvPr>
-          <p:cNvSpPr>
-            <a:spLocks noGrp="1"/>
-          </p:cNvSpPr>
-          <p:nvPr>
-            <p:ph idx="1"/>
-          </p:nvPr>
-        </p:nvSpPr>
-        <p:spPr/>
-        <p:txBody>
-          <a:bodyPr/>
-          <a:lstStyle/>
-          <a:p>
-            <a:r>
-              <a:rPr lang="en-US" dirty="0"/>
-              <a:t>You demanded it, and I delivered.</a:t>
-            </a:r>
-          </a:p>
-          <a:p>
-            <a:r>
-              <a:rPr lang="en-US" dirty="0"/>
-              <a:t>I was jealous of all your cool games.</a:t>
-            </a:r>
-          </a:p>
-          <a:p>
-            <a:endParaRPr lang="en-US" dirty="0"/>
-          </a:p>
-        </p:txBody>
-      </p:sp>
-    </p:spTree>
-    <p:extLst>
-      <p:ext uri="{BB962C8B-B14F-4D97-AF65-F5344CB8AC3E}">
-        <p14:creationId xmlns:p14="http://schemas.microsoft.com/office/powerpoint/2010/main" val="1408829717"/>
-      </p:ext>
-    </p:extLst>
-  </p:cSld>
-  <p:clrMapOvr>
-    <a:masterClrMapping/>
-  </p:clrMapOvr>
-</p:sld>
-</file>
-
 <file path=ppt/slides/slide4.xml><?xml version="1.0" encoding="utf-8"?>
 <p:sld xmlns:a="http://schemas.openxmlformats.org/drawingml/2006/main" xmlns:r="http://schemas.openxmlformats.org/officeDocument/2006/relationships" xmlns:p="http://schemas.openxmlformats.org/presentationml/2006/main">
   <p:cSld>
@@ -6165,7 +5993,12 @@
             <p:ph type="title"/>
           </p:nvPr>
         </p:nvSpPr>
-        <p:spPr/>
+        <p:spPr>
+          <a:xfrm>
+            <a:off x="2852737" y="2782486"/>
+            <a:ext cx="8610600" cy="1293028"/>
+          </a:xfrm>
+        </p:spPr>
         <p:txBody>
           <a:bodyPr/>
           <a:lstStyle/>
@@ -6193,7 +6026,12 @@
             <p:ph idx="1"/>
           </p:nvPr>
         </p:nvSpPr>
-        <p:spPr/>
+        <p:spPr>
+          <a:xfrm>
+            <a:off x="685800" y="3212120"/>
+            <a:ext cx="10820400" cy="4024125"/>
+          </a:xfrm>
+        </p:spPr>
         <p:txBody>
           <a:bodyPr/>
           <a:lstStyle/>
@@ -6212,7 +6050,7 @@
             </a:pPr>
             <a:r>
               <a:rPr lang="en-US" dirty="0"/>
-              <a:t>1 Cash build – </a:t>
+              <a:t>1) Cash build – </a:t>
             </a:r>
             <a:r>
               <a:rPr lang="en-US" dirty="0" err="1"/>
@@ -6229,7 +6067,7 @@
             </a:pPr>
             <a:r>
               <a:rPr lang="en-US" dirty="0"/>
-              <a:t>2 Facing the Chaser – TTY Prompt</a:t>
+              <a:t>2) Facing the Chaser – TTY Prompt, text-table</a:t>
             </a:r>
           </a:p>
           <a:p>
@@ -6238,7 +6076,7 @@
             </a:pPr>
             <a:r>
               <a:rPr lang="en-US" dirty="0"/>
-              <a:t>3 Final Chase – </a:t>
+              <a:t>3) Final Chase – </a:t>
             </a:r>
             <a:r>
               <a:rPr lang="en-US" dirty="0" err="1"/>
@@ -6246,8 +6084,270 @@
             </a:r>
             <a:r>
               <a:rPr lang="en-US" dirty="0"/>
-              <a:t> – 60 seconds</a:t>
-            </a:r>
+              <a:t> – 30 seconds</a:t>
+            </a:r>
+          </a:p>
+        </p:txBody>
+      </p:sp>
+      <p:sp>
+        <p:nvSpPr>
+          <p:cNvPr id="4" name="Title 1">
+            <a:extLst>
+              <a:ext uri="{FF2B5EF4-FFF2-40B4-BE49-F238E27FC236}">
+                <a16:creationId xmlns:a16="http://schemas.microsoft.com/office/drawing/2014/main" id="{4C5D8CDD-5FD0-6A49-96DB-DA698424C6FD}"/>
+              </a:ext>
+            </a:extLst>
+          </p:cNvPr>
+          <p:cNvSpPr txBox="1">
+            <a:spLocks/>
+          </p:cNvSpPr>
+          <p:nvPr/>
+        </p:nvSpPr>
+        <p:spPr>
+          <a:xfrm>
+            <a:off x="2852737" y="1048684"/>
+            <a:ext cx="8610600" cy="1293028"/>
+          </a:xfrm>
+          <a:prstGeom prst="rect">
+            <a:avLst/>
+          </a:prstGeom>
+        </p:spPr>
+        <p:txBody>
+          <a:bodyPr vert="horz" lIns="91440" tIns="45720" rIns="91440" bIns="45720" rtlCol="0" anchor="ctr">
+            <a:normAutofit/>
+          </a:bodyPr>
+          <a:lstStyle>
+            <a:lvl1pPr algn="r" defTabSz="914400" rtl="0" eaLnBrk="1" latinLnBrk="0" hangingPunct="1">
+              <a:lnSpc>
+                <a:spcPct val="90000"/>
+              </a:lnSpc>
+              <a:spcBef>
+                <a:spcPct val="0"/>
+              </a:spcBef>
+              <a:buNone/>
+              <a:defRPr sz="4000" kern="1200" cap="all" baseline="0">
+                <a:solidFill>
+                  <a:schemeClr val="tx1"/>
+                </a:solidFill>
+                <a:latin typeface="+mj-lt"/>
+                <a:ea typeface="+mj-ea"/>
+                <a:cs typeface="+mj-cs"/>
+              </a:defRPr>
+            </a:lvl1pPr>
+          </a:lstStyle>
+          <a:p>
+            <a:r>
+              <a:rPr lang="en-US" dirty="0"/>
+              <a:t>WHY?</a:t>
+            </a:r>
+          </a:p>
+        </p:txBody>
+      </p:sp>
+      <p:sp>
+        <p:nvSpPr>
+          <p:cNvPr id="5" name="Content Placeholder 2">
+            <a:extLst>
+              <a:ext uri="{FF2B5EF4-FFF2-40B4-BE49-F238E27FC236}">
+                <a16:creationId xmlns:a16="http://schemas.microsoft.com/office/drawing/2014/main" id="{FD75547F-5F66-4C47-9482-FEE94CDEFA0D}"/>
+              </a:ext>
+            </a:extLst>
+          </p:cNvPr>
+          <p:cNvSpPr txBox="1">
+            <a:spLocks/>
+          </p:cNvSpPr>
+          <p:nvPr/>
+        </p:nvSpPr>
+        <p:spPr>
+          <a:xfrm>
+            <a:off x="685800" y="1697308"/>
+            <a:ext cx="10820400" cy="4024125"/>
+          </a:xfrm>
+          <a:prstGeom prst="rect">
+            <a:avLst/>
+          </a:prstGeom>
+        </p:spPr>
+        <p:txBody>
+          <a:bodyPr vert="horz" lIns="91440" tIns="45720" rIns="91440" bIns="45720" rtlCol="0">
+            <a:normAutofit/>
+          </a:bodyPr>
+          <a:lstStyle>
+            <a:lvl1pPr marL="228600" indent="-228600" algn="l" defTabSz="914400" rtl="0" eaLnBrk="1" latinLnBrk="0" hangingPunct="1">
+              <a:lnSpc>
+                <a:spcPct val="90000"/>
+              </a:lnSpc>
+              <a:spcBef>
+                <a:spcPts val="1000"/>
+              </a:spcBef>
+              <a:buFont typeface="Arial" panose="020B0604020202020204" pitchFamily="34" charset="0"/>
+              <a:buChar char="•"/>
+              <a:defRPr sz="2200" kern="1200">
+                <a:solidFill>
+                  <a:schemeClr val="tx1"/>
+                </a:solidFill>
+                <a:latin typeface="+mn-lt"/>
+                <a:ea typeface="+mn-ea"/>
+                <a:cs typeface="+mn-cs"/>
+              </a:defRPr>
+            </a:lvl1pPr>
+            <a:lvl2pPr marL="685800" indent="-228600" algn="l" defTabSz="914400" rtl="0" eaLnBrk="1" latinLnBrk="0" hangingPunct="1">
+              <a:lnSpc>
+                <a:spcPct val="90000"/>
+              </a:lnSpc>
+              <a:spcBef>
+                <a:spcPts val="500"/>
+              </a:spcBef>
+              <a:buFont typeface="Arial" panose="020B0604020202020204" pitchFamily="34" charset="0"/>
+              <a:buChar char="•"/>
+              <a:defRPr sz="2000" kern="1200">
+                <a:solidFill>
+                  <a:schemeClr val="tx1"/>
+                </a:solidFill>
+                <a:latin typeface="+mn-lt"/>
+                <a:ea typeface="+mn-ea"/>
+                <a:cs typeface="+mn-cs"/>
+              </a:defRPr>
+            </a:lvl2pPr>
+            <a:lvl3pPr marL="1143000" indent="-228600" algn="l" defTabSz="914400" rtl="0" eaLnBrk="1" latinLnBrk="0" hangingPunct="1">
+              <a:lnSpc>
+                <a:spcPct val="90000"/>
+              </a:lnSpc>
+              <a:spcBef>
+                <a:spcPts val="500"/>
+              </a:spcBef>
+              <a:buFont typeface="Arial" panose="020B0604020202020204" pitchFamily="34" charset="0"/>
+              <a:buChar char="•"/>
+              <a:defRPr sz="1800" kern="1200">
+                <a:solidFill>
+                  <a:schemeClr val="tx1"/>
+                </a:solidFill>
+                <a:latin typeface="+mn-lt"/>
+                <a:ea typeface="+mn-ea"/>
+                <a:cs typeface="+mn-cs"/>
+              </a:defRPr>
+            </a:lvl3pPr>
+            <a:lvl4pPr marL="1600200" indent="-228600" algn="l" defTabSz="914400" rtl="0" eaLnBrk="1" latinLnBrk="0" hangingPunct="1">
+              <a:lnSpc>
+                <a:spcPct val="90000"/>
+              </a:lnSpc>
+              <a:spcBef>
+                <a:spcPts val="500"/>
+              </a:spcBef>
+              <a:buFont typeface="Arial" panose="020B0604020202020204" pitchFamily="34" charset="0"/>
+              <a:buChar char="•"/>
+              <a:defRPr sz="1600" kern="1200">
+                <a:solidFill>
+                  <a:schemeClr val="tx1"/>
+                </a:solidFill>
+                <a:latin typeface="+mn-lt"/>
+                <a:ea typeface="+mn-ea"/>
+                <a:cs typeface="+mn-cs"/>
+              </a:defRPr>
+            </a:lvl4pPr>
+            <a:lvl5pPr marL="2057400" indent="-228600" algn="l" defTabSz="914400" rtl="0" eaLnBrk="1" latinLnBrk="0" hangingPunct="1">
+              <a:lnSpc>
+                <a:spcPct val="90000"/>
+              </a:lnSpc>
+              <a:spcBef>
+                <a:spcPts val="500"/>
+              </a:spcBef>
+              <a:buFont typeface="Arial" panose="020B0604020202020204" pitchFamily="34" charset="0"/>
+              <a:buChar char="•"/>
+              <a:defRPr sz="1600" kern="1200">
+                <a:solidFill>
+                  <a:schemeClr val="tx1"/>
+                </a:solidFill>
+                <a:latin typeface="+mn-lt"/>
+                <a:ea typeface="+mn-ea"/>
+                <a:cs typeface="+mn-cs"/>
+              </a:defRPr>
+            </a:lvl5pPr>
+            <a:lvl6pPr marL="2514600" indent="-228600" algn="l" defTabSz="914400" rtl="0" eaLnBrk="1" latinLnBrk="0" hangingPunct="1">
+              <a:lnSpc>
+                <a:spcPct val="90000"/>
+              </a:lnSpc>
+              <a:spcBef>
+                <a:spcPts val="500"/>
+              </a:spcBef>
+              <a:buFont typeface="Arial" panose="020B0604020202020204" pitchFamily="34" charset="0"/>
+              <a:buChar char="•"/>
+              <a:defRPr sz="1600" kern="1200">
+                <a:solidFill>
+                  <a:schemeClr val="tx1"/>
+                </a:solidFill>
+                <a:latin typeface="+mn-lt"/>
+                <a:ea typeface="+mn-ea"/>
+                <a:cs typeface="+mn-cs"/>
+              </a:defRPr>
+            </a:lvl6pPr>
+            <a:lvl7pPr marL="2971800" indent="-228600" algn="l" defTabSz="914400" rtl="0" eaLnBrk="1" latinLnBrk="0" hangingPunct="1">
+              <a:lnSpc>
+                <a:spcPct val="90000"/>
+              </a:lnSpc>
+              <a:spcBef>
+                <a:spcPts val="500"/>
+              </a:spcBef>
+              <a:buFont typeface="Arial" panose="020B0604020202020204" pitchFamily="34" charset="0"/>
+              <a:buChar char="•"/>
+              <a:defRPr sz="1600" kern="1200">
+                <a:solidFill>
+                  <a:schemeClr val="tx1"/>
+                </a:solidFill>
+                <a:latin typeface="+mn-lt"/>
+                <a:ea typeface="+mn-ea"/>
+                <a:cs typeface="+mn-cs"/>
+              </a:defRPr>
+            </a:lvl7pPr>
+            <a:lvl8pPr marL="3429000" indent="-228600" algn="l" defTabSz="914400" rtl="0" eaLnBrk="1" latinLnBrk="0" hangingPunct="1">
+              <a:lnSpc>
+                <a:spcPct val="90000"/>
+              </a:lnSpc>
+              <a:spcBef>
+                <a:spcPts val="500"/>
+              </a:spcBef>
+              <a:buFont typeface="Arial" panose="020B0604020202020204" pitchFamily="34" charset="0"/>
+              <a:buChar char="•"/>
+              <a:defRPr sz="1600" kern="1200">
+                <a:solidFill>
+                  <a:schemeClr val="tx1"/>
+                </a:solidFill>
+                <a:latin typeface="+mn-lt"/>
+                <a:ea typeface="+mn-ea"/>
+                <a:cs typeface="+mn-cs"/>
+              </a:defRPr>
+            </a:lvl8pPr>
+            <a:lvl9pPr marL="3886200" indent="-228600" algn="l" defTabSz="914400" rtl="0" eaLnBrk="1" latinLnBrk="0" hangingPunct="1">
+              <a:lnSpc>
+                <a:spcPct val="90000"/>
+              </a:lnSpc>
+              <a:spcBef>
+                <a:spcPts val="500"/>
+              </a:spcBef>
+              <a:buFont typeface="Arial" panose="020B0604020202020204" pitchFamily="34" charset="0"/>
+              <a:buChar char="•"/>
+              <a:defRPr sz="1600" kern="1200">
+                <a:solidFill>
+                  <a:schemeClr val="tx1"/>
+                </a:solidFill>
+                <a:latin typeface="+mn-lt"/>
+                <a:ea typeface="+mn-ea"/>
+                <a:cs typeface="+mn-cs"/>
+              </a:defRPr>
+            </a:lvl9pPr>
+          </a:lstStyle>
+          <a:p>
+            <a:r>
+              <a:rPr lang="en-US" dirty="0"/>
+              <a:t>You demanded it, and I delivered.</a:t>
+            </a:r>
+          </a:p>
+          <a:p>
+            <a:r>
+              <a:rPr lang="en-US" dirty="0"/>
+              <a:t>I was jealous of all your cool games.</a:t>
+            </a:r>
+          </a:p>
+          <a:p>
+            <a:endParaRPr lang="en-US" dirty="0"/>
           </a:p>
         </p:txBody>
       </p:sp>
@@ -6255,6 +6355,321 @@
     <p:extLst>
       <p:ext uri="{BB962C8B-B14F-4D97-AF65-F5344CB8AC3E}">
         <p14:creationId xmlns:p14="http://schemas.microsoft.com/office/powerpoint/2010/main" val="1857780288"/>
+      </p:ext>
+    </p:extLst>
+  </p:cSld>
+  <p:clrMapOvr>
+    <a:masterClrMapping/>
+  </p:clrMapOvr>
+</p:sld>
+</file>
+
+<file path=ppt/slides/slide5.xml><?xml version="1.0" encoding="utf-8"?>
+<p:sld xmlns:a="http://schemas.openxmlformats.org/drawingml/2006/main" xmlns:r="http://schemas.openxmlformats.org/officeDocument/2006/relationships" xmlns:p="http://schemas.openxmlformats.org/presentationml/2006/main">
+  <p:cSld>
+    <p:spTree>
+      <p:nvGrpSpPr>
+        <p:cNvPr id="1" name=""/>
+        <p:cNvGrpSpPr/>
+        <p:nvPr/>
+      </p:nvGrpSpPr>
+      <p:grpSpPr>
+        <a:xfrm>
+          <a:off x="0" y="0"/>
+          <a:ext cx="0" cy="0"/>
+          <a:chOff x="0" y="0"/>
+          <a:chExt cx="0" cy="0"/>
+        </a:xfrm>
+      </p:grpSpPr>
+      <p:sp>
+        <p:nvSpPr>
+          <p:cNvPr id="4" name="Title 1">
+            <a:extLst>
+              <a:ext uri="{FF2B5EF4-FFF2-40B4-BE49-F238E27FC236}">
+                <a16:creationId xmlns:a16="http://schemas.microsoft.com/office/drawing/2014/main" id="{75C4D405-D2E6-6247-848A-403F56BB9A2F}"/>
+              </a:ext>
+            </a:extLst>
+          </p:cNvPr>
+          <p:cNvSpPr txBox="1">
+            <a:spLocks/>
+          </p:cNvSpPr>
+          <p:nvPr/>
+        </p:nvSpPr>
+        <p:spPr>
+          <a:xfrm>
+            <a:off x="2895600" y="1139424"/>
+            <a:ext cx="8610600" cy="1293028"/>
+          </a:xfrm>
+          <a:prstGeom prst="rect">
+            <a:avLst/>
+          </a:prstGeom>
+        </p:spPr>
+        <p:txBody>
+          <a:bodyPr vert="horz" lIns="91440" tIns="45720" rIns="91440" bIns="45720" rtlCol="0" anchor="ctr">
+            <a:normAutofit/>
+          </a:bodyPr>
+          <a:lstStyle>
+            <a:lvl1pPr algn="r" defTabSz="914400" rtl="0" eaLnBrk="1" latinLnBrk="0" hangingPunct="1">
+              <a:lnSpc>
+                <a:spcPct val="90000"/>
+              </a:lnSpc>
+              <a:spcBef>
+                <a:spcPct val="0"/>
+              </a:spcBef>
+              <a:buNone/>
+              <a:defRPr sz="4000" kern="1200" cap="all" baseline="0">
+                <a:solidFill>
+                  <a:schemeClr val="tx1"/>
+                </a:solidFill>
+                <a:latin typeface="+mj-lt"/>
+                <a:ea typeface="+mj-ea"/>
+                <a:cs typeface="+mj-cs"/>
+              </a:defRPr>
+            </a:lvl1pPr>
+          </a:lstStyle>
+          <a:p>
+            <a:r>
+              <a:rPr lang="en-US" dirty="0"/>
+              <a:t>Challenges</a:t>
+            </a:r>
+          </a:p>
+        </p:txBody>
+      </p:sp>
+      <p:sp>
+        <p:nvSpPr>
+          <p:cNvPr id="5" name="Content Placeholder 2">
+            <a:extLst>
+              <a:ext uri="{FF2B5EF4-FFF2-40B4-BE49-F238E27FC236}">
+                <a16:creationId xmlns:a16="http://schemas.microsoft.com/office/drawing/2014/main" id="{E6C47A50-612B-6746-81AF-0BF1F5B6E0AD}"/>
+              </a:ext>
+            </a:extLst>
+          </p:cNvPr>
+          <p:cNvSpPr txBox="1">
+            <a:spLocks/>
+          </p:cNvSpPr>
+          <p:nvPr/>
+        </p:nvSpPr>
+        <p:spPr>
+          <a:xfrm>
+            <a:off x="685800" y="2432452"/>
+            <a:ext cx="10820400" cy="3796898"/>
+          </a:xfrm>
+          <a:prstGeom prst="rect">
+            <a:avLst/>
+          </a:prstGeom>
+        </p:spPr>
+        <p:txBody>
+          <a:bodyPr vert="horz" lIns="91440" tIns="45720" rIns="91440" bIns="45720" rtlCol="0">
+            <a:normAutofit/>
+          </a:bodyPr>
+          <a:lstStyle>
+            <a:lvl1pPr marL="228600" indent="-228600" algn="l" defTabSz="914400" rtl="0" eaLnBrk="1" latinLnBrk="0" hangingPunct="1">
+              <a:lnSpc>
+                <a:spcPct val="90000"/>
+              </a:lnSpc>
+              <a:spcBef>
+                <a:spcPts val="1000"/>
+              </a:spcBef>
+              <a:buFont typeface="Arial" panose="020B0604020202020204" pitchFamily="34" charset="0"/>
+              <a:buChar char="•"/>
+              <a:defRPr sz="2200" kern="1200">
+                <a:solidFill>
+                  <a:schemeClr val="tx1"/>
+                </a:solidFill>
+                <a:latin typeface="+mn-lt"/>
+                <a:ea typeface="+mn-ea"/>
+                <a:cs typeface="+mn-cs"/>
+              </a:defRPr>
+            </a:lvl1pPr>
+            <a:lvl2pPr marL="685800" indent="-228600" algn="l" defTabSz="914400" rtl="0" eaLnBrk="1" latinLnBrk="0" hangingPunct="1">
+              <a:lnSpc>
+                <a:spcPct val="90000"/>
+              </a:lnSpc>
+              <a:spcBef>
+                <a:spcPts val="500"/>
+              </a:spcBef>
+              <a:buFont typeface="Arial" panose="020B0604020202020204" pitchFamily="34" charset="0"/>
+              <a:buChar char="•"/>
+              <a:defRPr sz="2000" kern="1200">
+                <a:solidFill>
+                  <a:schemeClr val="tx1"/>
+                </a:solidFill>
+                <a:latin typeface="+mn-lt"/>
+                <a:ea typeface="+mn-ea"/>
+                <a:cs typeface="+mn-cs"/>
+              </a:defRPr>
+            </a:lvl2pPr>
+            <a:lvl3pPr marL="1143000" indent="-228600" algn="l" defTabSz="914400" rtl="0" eaLnBrk="1" latinLnBrk="0" hangingPunct="1">
+              <a:lnSpc>
+                <a:spcPct val="90000"/>
+              </a:lnSpc>
+              <a:spcBef>
+                <a:spcPts val="500"/>
+              </a:spcBef>
+              <a:buFont typeface="Arial" panose="020B0604020202020204" pitchFamily="34" charset="0"/>
+              <a:buChar char="•"/>
+              <a:defRPr sz="1800" kern="1200">
+                <a:solidFill>
+                  <a:schemeClr val="tx1"/>
+                </a:solidFill>
+                <a:latin typeface="+mn-lt"/>
+                <a:ea typeface="+mn-ea"/>
+                <a:cs typeface="+mn-cs"/>
+              </a:defRPr>
+            </a:lvl3pPr>
+            <a:lvl4pPr marL="1600200" indent="-228600" algn="l" defTabSz="914400" rtl="0" eaLnBrk="1" latinLnBrk="0" hangingPunct="1">
+              <a:lnSpc>
+                <a:spcPct val="90000"/>
+              </a:lnSpc>
+              <a:spcBef>
+                <a:spcPts val="500"/>
+              </a:spcBef>
+              <a:buFont typeface="Arial" panose="020B0604020202020204" pitchFamily="34" charset="0"/>
+              <a:buChar char="•"/>
+              <a:defRPr sz="1600" kern="1200">
+                <a:solidFill>
+                  <a:schemeClr val="tx1"/>
+                </a:solidFill>
+                <a:latin typeface="+mn-lt"/>
+                <a:ea typeface="+mn-ea"/>
+                <a:cs typeface="+mn-cs"/>
+              </a:defRPr>
+            </a:lvl4pPr>
+            <a:lvl5pPr marL="2057400" indent="-228600" algn="l" defTabSz="914400" rtl="0" eaLnBrk="1" latinLnBrk="0" hangingPunct="1">
+              <a:lnSpc>
+                <a:spcPct val="90000"/>
+              </a:lnSpc>
+              <a:spcBef>
+                <a:spcPts val="500"/>
+              </a:spcBef>
+              <a:buFont typeface="Arial" panose="020B0604020202020204" pitchFamily="34" charset="0"/>
+              <a:buChar char="•"/>
+              <a:defRPr sz="1600" kern="1200">
+                <a:solidFill>
+                  <a:schemeClr val="tx1"/>
+                </a:solidFill>
+                <a:latin typeface="+mn-lt"/>
+                <a:ea typeface="+mn-ea"/>
+                <a:cs typeface="+mn-cs"/>
+              </a:defRPr>
+            </a:lvl5pPr>
+            <a:lvl6pPr marL="2514600" indent="-228600" algn="l" defTabSz="914400" rtl="0" eaLnBrk="1" latinLnBrk="0" hangingPunct="1">
+              <a:lnSpc>
+                <a:spcPct val="90000"/>
+              </a:lnSpc>
+              <a:spcBef>
+                <a:spcPts val="500"/>
+              </a:spcBef>
+              <a:buFont typeface="Arial" panose="020B0604020202020204" pitchFamily="34" charset="0"/>
+              <a:buChar char="•"/>
+              <a:defRPr sz="1600" kern="1200">
+                <a:solidFill>
+                  <a:schemeClr val="tx1"/>
+                </a:solidFill>
+                <a:latin typeface="+mn-lt"/>
+                <a:ea typeface="+mn-ea"/>
+                <a:cs typeface="+mn-cs"/>
+              </a:defRPr>
+            </a:lvl6pPr>
+            <a:lvl7pPr marL="2971800" indent="-228600" algn="l" defTabSz="914400" rtl="0" eaLnBrk="1" latinLnBrk="0" hangingPunct="1">
+              <a:lnSpc>
+                <a:spcPct val="90000"/>
+              </a:lnSpc>
+              <a:spcBef>
+                <a:spcPts val="500"/>
+              </a:spcBef>
+              <a:buFont typeface="Arial" panose="020B0604020202020204" pitchFamily="34" charset="0"/>
+              <a:buChar char="•"/>
+              <a:defRPr sz="1600" kern="1200">
+                <a:solidFill>
+                  <a:schemeClr val="tx1"/>
+                </a:solidFill>
+                <a:latin typeface="+mn-lt"/>
+                <a:ea typeface="+mn-ea"/>
+                <a:cs typeface="+mn-cs"/>
+              </a:defRPr>
+            </a:lvl7pPr>
+            <a:lvl8pPr marL="3429000" indent="-228600" algn="l" defTabSz="914400" rtl="0" eaLnBrk="1" latinLnBrk="0" hangingPunct="1">
+              <a:lnSpc>
+                <a:spcPct val="90000"/>
+              </a:lnSpc>
+              <a:spcBef>
+                <a:spcPts val="500"/>
+              </a:spcBef>
+              <a:buFont typeface="Arial" panose="020B0604020202020204" pitchFamily="34" charset="0"/>
+              <a:buChar char="•"/>
+              <a:defRPr sz="1600" kern="1200">
+                <a:solidFill>
+                  <a:schemeClr val="tx1"/>
+                </a:solidFill>
+                <a:latin typeface="+mn-lt"/>
+                <a:ea typeface="+mn-ea"/>
+                <a:cs typeface="+mn-cs"/>
+              </a:defRPr>
+            </a:lvl8pPr>
+            <a:lvl9pPr marL="3886200" indent="-228600" algn="l" defTabSz="914400" rtl="0" eaLnBrk="1" latinLnBrk="0" hangingPunct="1">
+              <a:lnSpc>
+                <a:spcPct val="90000"/>
+              </a:lnSpc>
+              <a:spcBef>
+                <a:spcPts val="500"/>
+              </a:spcBef>
+              <a:buFont typeface="Arial" panose="020B0604020202020204" pitchFamily="34" charset="0"/>
+              <a:buChar char="•"/>
+              <a:defRPr sz="1600" kern="1200">
+                <a:solidFill>
+                  <a:schemeClr val="tx1"/>
+                </a:solidFill>
+                <a:latin typeface="+mn-lt"/>
+                <a:ea typeface="+mn-ea"/>
+                <a:cs typeface="+mn-cs"/>
+              </a:defRPr>
+            </a:lvl9pPr>
+          </a:lstStyle>
+          <a:p>
+            <a:r>
+              <a:rPr lang="en-US" dirty="0"/>
+              <a:t>Writing the logic for Round two</a:t>
+            </a:r>
+          </a:p>
+          <a:p>
+            <a:r>
+              <a:rPr lang="en-US" dirty="0" err="1"/>
+              <a:t>Binding.pry</a:t>
+            </a:r>
+            <a:r>
+              <a:rPr lang="en-US" dirty="0"/>
+              <a:t> didn’t bind or pry</a:t>
+            </a:r>
+          </a:p>
+          <a:p>
+            <a:r>
+              <a:rPr lang="en-US" dirty="0" err="1"/>
+              <a:t>Anhar</a:t>
+            </a:r>
+            <a:r>
+              <a:rPr lang="en-US" dirty="0"/>
+              <a:t> called my practices “terrible”</a:t>
+            </a:r>
+          </a:p>
+          <a:p>
+            <a:r>
+              <a:rPr lang="en-US" dirty="0"/>
+              <a:t>Use of global variables?</a:t>
+            </a:r>
+          </a:p>
+          <a:p>
+            <a:r>
+              <a:rPr lang="en-US" dirty="0"/>
+              <a:t>Second attempt at a Terminal App</a:t>
+            </a:r>
+          </a:p>
+        </p:txBody>
+      </p:sp>
+    </p:spTree>
+    <p:extLst>
+      <p:ext uri="{BB962C8B-B14F-4D97-AF65-F5344CB8AC3E}">
+        <p14:creationId xmlns:p14="http://schemas.microsoft.com/office/powerpoint/2010/main" val="1408829717"/>
       </p:ext>
     </p:extLst>
   </p:cSld>
